--- a/tamil_biology/12th_Bio_Zoology_Tamil.pptx
+++ b/tamil_biology/12th_Bio_Zoology_Tamil.pptx
@@ -3770,6 +3770,9 @@
                 <a:latin typeface="Calibri"/>
               </a:defRPr>
             </a:pPr>
+            <a:r>
+              <a:t>இ) டிரைக்கினெல்லா ஸ்பைராலிஸ்</a:t>
+            </a:r>
           </a:p>
         </p:txBody>
       </p:sp>
@@ -4065,6 +4068,9 @@
                 <a:latin typeface="Calibri"/>
               </a:defRPr>
             </a:pPr>
+            <a:r>
+              <a:t>அ) எரித்ரோசைட்டுகள், பெருங்குடலின் கோழைப்படலம் மற்றும் கீழ்க்கோழைப் படலம்</a:t>
+            </a:r>
           </a:p>
         </p:txBody>
       </p:sp>
@@ -4360,6 +4366,9 @@
                 <a:latin typeface="Calibri"/>
               </a:defRPr>
             </a:pPr>
+            <a:r>
+              <a:t>ஈ) நோயுண்டாக்கும் HIV ரெட்ரோவைரஸ் உதவி T செல்களுக்குள் நுழைந்து அவற்றின் எண்ணிக்கையைக் குறைக்கிறது.</a:t>
+            </a:r>
           </a:p>
         </p:txBody>
       </p:sp>
@@ -4655,6 +4664,9 @@
                 <a:latin typeface="Calibri"/>
               </a:defRPr>
             </a:pPr>
+            <a:r>
+              <a:t>அ) சில காரணங்களால் B மற்றும் T லிஃபோசைட்டுகள் சேதமுறும் போது, ஒருவரது உடல் கிருமிகளுக்கு எதிரான எதிர்ப்பொருட்களை உற்பத்தி செய்யாது.</a:t>
+            </a:r>
           </a:p>
         </p:txBody>
       </p:sp>
@@ -4950,6 +4962,9 @@
                 <a:latin typeface="Calibri"/>
               </a:defRPr>
             </a:pPr>
+            <a:r>
+              <a:t>ஈ) விரியன் பாம்புக்கடியின் விஷத்திற்கு சிகிச்சையளிக்க, ஏற்கெனவே உருவாக்கப்பட்ட எதிர்ப்பொருட்களை நோயாளியின் உடலில் ஊசி மூலம் செலுத்த வேண்டும்.</a:t>
+            </a:r>
           </a:p>
         </p:txBody>
       </p:sp>
@@ -5091,6 +5106,9 @@
                 <a:latin typeface="Calibri"/>
               </a:defRPr>
             </a:pPr>
+            <a:r>
+              <a:t>அ) i, ii மற்றும் iii</a:t>
+            </a:r>
           </a:p>
         </p:txBody>
       </p:sp>
@@ -5386,6 +5404,9 @@
                 <a:latin typeface="Calibri"/>
               </a:defRPr>
             </a:pPr>
+            <a:r>
+              <a:t>ஈ) அவை தொடர்பு தடுப்பைக் கொண்டுள்ளன</a:t>
+            </a:r>
           </a:p>
         </p:txBody>
       </p:sp>
@@ -5681,6 +5702,9 @@
                 <a:latin typeface="Calibri"/>
               </a:defRPr>
             </a:pPr>
+            <a:r>
+              <a:t>இ) அதிக எண்ணிக்கையிலா உதவி T லிம்ஃபோசைட்டுகளை HIV சேதமுறச் செய்யும்போது</a:t>
+            </a:r>
           </a:p>
         </p:txBody>
       </p:sp>
@@ -6271,6 +6295,9 @@
                 <a:latin typeface="Calibri"/>
               </a:defRPr>
             </a:pPr>
+            <a:r>
+              <a:t>அ)  இரண்டு  மூலக்கூறு ரிவர்ஸ் டிரான் ஸ்கிரிப்டேஸ் நொதிளையும் தன்னகத்தே கொண்ட உறையுடைய வைரஸ் HIV ஆகும்.</a:t>
+            </a:r>
           </a:p>
         </p:txBody>
       </p:sp>
@@ -6566,6 +6593,9 @@
                 <a:latin typeface="Calibri"/>
               </a:defRPr>
             </a:pPr>
+            <a:r>
+              <a:t>இ) நுண்ணுயிரிகளின் அதிகரித்த செயல்பாட்டால் நீரில் கரைந்துள்ள ஆக்ஸிஜன் அதிகமாகப் பயன்படுத்தப்படுகிறது.</a:t>
+            </a:r>
           </a:p>
         </p:txBody>
       </p:sp>
@@ -7015,6 +7045,9 @@
                 <a:latin typeface="Calibri"/>
               </a:defRPr>
             </a:pPr>
+            <a:r>
+              <a:t>ஈ) கழிவுநீர்ச் சுத்திகரிப்பு நிலையத்தில் உள்ள படிவுத் தொட்டிகளில் படிந்துள்ள செறிவூட்டப்பட்ட கசடுகள், காற்றுச்சுவாச பாக்டீரியங்கள் வாழ ஏற்ற இடமாகும்.</a:t>
+            </a:r>
           </a:p>
         </p:txBody>
       </p:sp>
@@ -7342,6 +7375,9 @@
                 <a:latin typeface="Calibri"/>
               </a:defRPr>
             </a:pPr>
+            <a:r>
+              <a:t>அ) மூன்று</a:t>
+            </a:r>
           </a:p>
         </p:txBody>
       </p:sp>
@@ -7637,6 +7673,9 @@
                 <a:latin typeface="Calibri"/>
               </a:defRPr>
             </a:pPr>
+            <a:r>
+              <a:t>அ) ஆர்க்கி பாக்டீரியா</a:t>
+            </a:r>
           </a:p>
         </p:txBody>
       </p:sp>
@@ -7932,6 +7971,9 @@
                 <a:latin typeface="Calibri"/>
               </a:defRPr>
             </a:pPr>
+            <a:r>
+              <a:t>அ)  மீத்தேன், ஹைட்ரஜன் சல்ஃபைடு, கார்பன் -டை- ஆக்ஸைடு</a:t>
+            </a:r>
           </a:p>
         </p:txBody>
       </p:sp>
@@ -8087,6 +8129,11 @@
               <a:t>ஈ) ஹைட்ரஜன் சல்ஃபைடு மற்றும் CO2</a:t>
             </a:r>
           </a:p>
+          <a:p>
+            <a:r>
+              <a:t>உ) இந்நீரில் உள்ள கரிமப்பொருட்கள் நுண்ணுயிரிகளால் மிக அதிக அளவில் உண்ணப்படுகிறது.</a:t>
+            </a:r>
+          </a:p>
         </p:txBody>
       </p:sp>
       <p:sp>
@@ -8227,6 +8274,9 @@
                 <a:latin typeface="Calibri"/>
               </a:defRPr>
             </a:pPr>
+            <a:r>
+              <a:t>ஆ) மீத்தேன், ஹைட்ரஜன் சல்ஃபைடு மற்றும் CO2</a:t>
+            </a:r>
           </a:p>
         </p:txBody>
       </p:sp>
@@ -8368,6 +8418,9 @@
                 <a:latin typeface="Calibri"/>
               </a:defRPr>
             </a:pPr>
+            <a:r>
+              <a:t>ஆ) ஃபாலிகுலார் நிலையில் LH மற்றும் FSH படிப்படியாக் குறைகின்றன.</a:t>
+            </a:r>
           </a:p>
         </p:txBody>
       </p:sp>
@@ -9548,6 +9601,9 @@
                 <a:latin typeface="Calibri"/>
               </a:defRPr>
             </a:pPr>
+            <a:r>
+              <a:t>அ) மனிதர்களுக்கு போலியோ தடுப்பு மருந்தின் ஆபத்தற்ற பாதுகாப்புத் தன்மையைப் பரிசோதிப்பதற்கு முன்பு மரபியல்பு மாற்றப்பட்ட எலிகளில் அச்சோதனையைச் செய்வதற்குப் பயன்படுகிறது.</a:t>
+            </a:r>
           </a:p>
         </p:txBody>
       </p:sp>
@@ -9843,6 +9899,9 @@
                 <a:latin typeface="Calibri"/>
               </a:defRPr>
             </a:pPr>
+            <a:r>
+              <a:t>ஈ) அதிக மகசூல் மற்றும் பருத்திக் காய்ப் புழுவிற்கு எதிரான எதிர்ப்பாற்றல்.</a:t>
+            </a:r>
           </a:p>
         </p:txBody>
       </p:sp>
@@ -10292,6 +10351,9 @@
                 <a:latin typeface="Calibri"/>
               </a:defRPr>
             </a:pPr>
+            <a:r>
+              <a:t>அ) தீங்குயிரிப் பூச்சியின் நடுக்குடலில் உள்ள எபிதீலிய செல்களுடன் ஒட்டி இறுதியாக அதைக் கொல்கிறது.</a:t>
+            </a:r>
           </a:p>
         </p:txBody>
       </p:sp>
@@ -10603,6 +10665,9 @@
                 <a:latin typeface="Calibri"/>
               </a:defRPr>
             </a:pPr>
+            <a:r>
+              <a:t>ஈ)  A மற்றும் B</a:t>
+            </a:r>
           </a:p>
         </p:txBody>
       </p:sp>
@@ -10898,6 +10963,9 @@
                 <a:latin typeface="Calibri"/>
               </a:defRPr>
             </a:pPr>
+            <a:r>
+              <a:t>அ) மறுசேர்க்கையற்ற பாக்டீரியாக்கள் 𝛃 காலக்டோசிடேஸைக் கொண்டுள்ளன.</a:t>
+            </a:r>
           </a:p>
         </p:txBody>
       </p:sp>
@@ -11193,6 +11261,9 @@
                 <a:latin typeface="Calibri"/>
               </a:defRPr>
             </a:pPr>
+            <a:r>
+              <a:t>அ) உயிரி-பாதுகாப்புக் குழு</a:t>
+            </a:r>
           </a:p>
         </p:txBody>
       </p:sp>
@@ -11488,6 +11559,9 @@
                 <a:latin typeface="Calibri"/>
               </a:defRPr>
             </a:pPr>
+            <a:r>
+              <a:t>ஈ) B மற்றும் D</a:t>
+            </a:r>
           </a:p>
         </p:txBody>
       </p:sp>
@@ -11629,6 +11703,9 @@
                 <a:latin typeface="Calibri"/>
               </a:defRPr>
             </a:pPr>
+            <a:r>
+              <a:t>அ) இது அண்டகத்தின் கிரானுலோஸ் செல்களிலிருந்து உற்பத்தி செய்யப்படுகிறது மற்றும் FSH சுரப்பைத் தடுக்கிறது</a:t>
+            </a:r>
           </a:p>
         </p:txBody>
       </p:sp>
@@ -11924,6 +12001,9 @@
                 <a:latin typeface="Calibri"/>
               </a:defRPr>
             </a:pPr>
+            <a:r>
+              <a:t>இ) 5' GAATTC-3' 3'-CTTAAG-5'</a:t>
+            </a:r>
           </a:p>
         </p:txBody>
       </p:sp>
@@ -12219,6 +12299,9 @@
                 <a:latin typeface="Calibri"/>
               </a:defRPr>
             </a:pPr>
+            <a:r>
+              <a:t>அ) டி.என்.ஏ. மூலக்கூறின் உட்புறத்தில் குறிப்பிட்ட இடங்களில் வெட்டுகின்றன.</a:t>
+            </a:r>
           </a:p>
         </p:txBody>
       </p:sp>
@@ -12514,6 +12597,9 @@
                 <a:latin typeface="Calibri"/>
               </a:defRPr>
             </a:pPr>
+            <a:r>
+              <a:t>ஈ) செயல்முறை முழுமைக்கும் ஆக்ஸிஜன் கிடைக்கச் செய்தல்</a:t>
+            </a:r>
           </a:p>
         </p:txBody>
       </p:sp>
@@ -12809,6 +12895,9 @@
                 <a:latin typeface="Calibri"/>
               </a:defRPr>
             </a:pPr>
+            <a:r>
+              <a:t>இ) கோலை</a:t>
+            </a:r>
           </a:p>
         </p:txBody>
       </p:sp>
@@ -13104,6 +13193,9 @@
                 <a:latin typeface="Calibri"/>
               </a:defRPr>
             </a:pPr>
+            <a:r>
+              <a:t>ஈ) அதிக வெப்பநிலையிலும் செயல்புரியும் திறனோடு உள்ளது.</a:t>
+            </a:r>
           </a:p>
         </p:txBody>
       </p:sp>
@@ -13553,6 +13645,9 @@
                 <a:latin typeface="Calibri"/>
               </a:defRPr>
             </a:pPr>
+            <a:r>
+              <a:t>ஈ) தங்கம் அல்லது டங்ஸ்டன்</a:t>
+            </a:r>
           </a:p>
         </p:txBody>
       </p:sp>
@@ -13848,6 +13943,9 @@
                 <a:latin typeface="Calibri"/>
               </a:defRPr>
             </a:pPr>
+            <a:r>
+              <a:t>இ) ஒரு உயிரியைப் பிடித்து, கொன்று அதை உணவாக்கிக் கொள்ளும் உயிரி கொன்றுண்ணி எனப்படும்.</a:t>
+            </a:r>
           </a:p>
         </p:txBody>
       </p:sp>
@@ -14175,6 +14273,9 @@
                 <a:latin typeface="Calibri"/>
               </a:defRPr>
             </a:pPr>
+            <a:r>
+              <a:t>ஈ) A மற்றும் B</a:t>
+            </a:r>
           </a:p>
         </p:txBody>
       </p:sp>
@@ -14494,6 +14595,9 @@
                 <a:latin typeface="Calibri"/>
               </a:defRPr>
             </a:pPr>
+            <a:r>
+              <a:t>ஈ) A மற்றும் B</a:t>
+            </a:r>
           </a:p>
         </p:txBody>
       </p:sp>
@@ -14805,6 +14909,9 @@
                 <a:latin typeface="Calibri"/>
               </a:defRPr>
             </a:pPr>
+            <a:r>
+              <a:t>அ) A மற்றும் C</a:t>
+            </a:r>
           </a:p>
         </p:txBody>
       </p:sp>
@@ -14946,6 +15053,9 @@
                 <a:latin typeface="Calibri"/>
               </a:defRPr>
             </a:pPr>
+            <a:r>
+              <a:t>ஆ) தாய் சேய் இணைப்புத் திசு</a:t>
+            </a:r>
           </a:p>
         </p:txBody>
       </p:sp>
@@ -15241,6 +15351,9 @@
                 <a:latin typeface="Calibri"/>
               </a:defRPr>
             </a:pPr>
+            <a:r>
+              <a:t>அ) அதிக இரத்த சிவப்பு செல்களையும் குறைந்த ஆக்ஸிஜன் இணைவுத்திறன் கொண்ட ஹீமோகுளோபின்களையும் கொண்டிருந்தனர்.</a:t>
+            </a:r>
           </a:p>
         </p:txBody>
       </p:sp>
@@ -15536,6 +15649,9 @@
                 <a:latin typeface="Calibri"/>
               </a:defRPr>
             </a:pPr>
+            <a:r>
+              <a:t>அ) 10</a:t>
+            </a:r>
           </a:p>
         </p:txBody>
       </p:sp>
@@ -15831,6 +15947,9 @@
                 <a:latin typeface="Calibri"/>
               </a:defRPr>
             </a:pPr>
+            <a:r>
+              <a:t>அ) உயிரிய சமுதாயம்</a:t>
+            </a:r>
           </a:p>
         </p:txBody>
       </p:sp>
@@ -16126,6 +16245,9 @@
                 <a:latin typeface="Calibri"/>
               </a:defRPr>
             </a:pPr>
+            <a:r>
+              <a:t>இ) ஒரே வகையான வரையறுக்கப்பட்ட வளங்களுக்காக, எந்த இரு சிற்றினங்களும் ஒரே ‘சிறு வாழிடத்தில்’ நீண்ட காலம் வாழ்வதில்லை.</a:t>
+            </a:r>
           </a:p>
         </p:txBody>
       </p:sp>
@@ -16421,6 +16543,9 @@
                 <a:latin typeface="Calibri"/>
               </a:defRPr>
             </a:pPr>
+            <a:r>
+              <a:t>அ) N/K-ன் மதிப்பு சரியாக ஒன்று என இருக்கும் போது</a:t>
+            </a:r>
           </a:p>
         </p:txBody>
       </p:sp>
@@ -16870,6 +16995,9 @@
                 <a:latin typeface="Calibri"/>
               </a:defRPr>
             </a:pPr>
+            <a:r>
+              <a:t>ஆ) மேற்குத் தொடர்ச்சி மலை அதிக எண்ணிக்கையிலான சிற்றினங்களையும் ஓரிட நிலை இனங்களையும் கொண்டுள்ளது.</a:t>
+            </a:r>
           </a:p>
         </p:txBody>
       </p:sp>
@@ -17165,6 +17293,9 @@
                 <a:latin typeface="Calibri"/>
               </a:defRPr>
             </a:pPr>
+            <a:r>
+              <a:t>அ) மண் அரிப்பைத் தடுத்தல்</a:t>
+            </a:r>
           </a:p>
         </p:txBody>
       </p:sp>
@@ -17460,6 +17591,9 @@
                 <a:latin typeface="Calibri"/>
               </a:defRPr>
             </a:pPr>
+            <a:r>
+              <a:t>அ) பூஞ்சைகள்</a:t>
+            </a:r>
           </a:p>
         </p:txBody>
       </p:sp>
@@ -17755,6 +17889,9 @@
                 <a:latin typeface="Calibri"/>
               </a:defRPr>
             </a:pPr>
+            <a:r>
+              <a:t>இ) இடப்பெயர்ச்சி முறைப் பயிரிடுகை</a:t>
+            </a:r>
           </a:p>
         </p:txBody>
       </p:sp>
@@ -18050,6 +18187,9 @@
                 <a:latin typeface="Calibri"/>
               </a:defRPr>
             </a:pPr>
+            <a:r>
+              <a:t>அ) இயல்புச் சூழலில் வளங்காப்பு : தே சிய பூங்காக்கள் வெளியிடச் சூழலில் வளங்காப்பு : தாவரவியல் பூங்காக்கள்</a:t>
+            </a:r>
           </a:p>
         </p:txBody>
       </p:sp>
@@ -18486,6 +18626,9 @@
                 <a:latin typeface="Calibri"/>
               </a:defRPr>
             </a:pPr>
+            <a:r>
+              <a:t>ஆ) உயிரியப் பல் வகைமயைமை வெளியிடச் சூழலில் வளங்காத்தல்.</a:t>
+            </a:r>
           </a:p>
         </p:txBody>
       </p:sp>
@@ -18781,6 +18924,9 @@
                 <a:latin typeface="Calibri"/>
               </a:defRPr>
             </a:pPr>
+            <a:r>
+              <a:t>ஆ) ஓரிட நிலை இனங்கள்</a:t>
+            </a:r>
           </a:p>
         </p:txBody>
       </p:sp>
@@ -19076,6 +19222,9 @@
                 <a:latin typeface="Calibri"/>
               </a:defRPr>
             </a:pPr>
+            <a:r>
+              <a:t>இ) டச்சிகம் தேசியப்பூங்கா, ஜம்மு &amp; காஷ்மீர்</a:t>
+            </a:r>
           </a:p>
         </p:txBody>
       </p:sp>
@@ -19371,6 +19520,9 @@
                 <a:latin typeface="Calibri"/>
               </a:defRPr>
             </a:pPr>
+            <a:r>
+              <a:t>இ) ஒரு ஊடக வளர்ப்பிலுள்ள ஓங்குத் தன்மை பாஸில்லஸ்</a:t>
+            </a:r>
           </a:p>
         </p:txBody>
       </p:sp>
@@ -19666,6 +19818,9 @@
                 <a:latin typeface="Calibri"/>
               </a:defRPr>
             </a:pPr>
+            <a:r>
+              <a:t>இ) IUCN – International Union for Conservation of Nature and Natural Resources.</a:t>
+            </a:r>
           </a:p>
         </p:txBody>
       </p:sp>
@@ -20269,6 +20424,9 @@
                 <a:latin typeface="Calibri"/>
               </a:defRPr>
             </a:pPr>
+            <a:r>
+              <a:t>ஈ) இடப்பட்ட பெரும்பாலான பறவைகளின் முட்டைகள் பொரிக்கவில்லை.</a:t>
+            </a:r>
           </a:p>
         </p:txBody>
       </p:sp>
@@ -20564,6 +20722,9 @@
                 <a:latin typeface="Calibri"/>
               </a:defRPr>
             </a:pPr>
+            <a:r>
+              <a:t>ஆ) வளிமண்டல மேல் பகுதியிலுள்ள ஓசோன், விலங்குகளுக்குத் தீங்கு விளைவிக்கக் கூடியதாகும்.</a:t>
+            </a:r>
           </a:p>
         </p:txBody>
       </p:sp>
@@ -20859,6 +21020,9 @@
                 <a:latin typeface="Calibri"/>
               </a:defRPr>
             </a:pPr>
+            <a:r>
+              <a:t>அ) கழிவு நீரில் உள்ள கரிமப்பொருட்களின் அளவை அளவிட.</a:t>
+            </a:r>
           </a:p>
         </p:txBody>
       </p:sp>
@@ -21154,6 +21318,9 @@
                 <a:latin typeface="Calibri"/>
               </a:defRPr>
             </a:pPr>
+            <a:r>
+              <a:t>அ) CoP-3</a:t>
+            </a:r>
           </a:p>
         </p:txBody>
       </p:sp>
@@ -21449,6 +21616,9 @@
                 <a:latin typeface="Calibri"/>
               </a:defRPr>
             </a:pPr>
+            <a:r>
+              <a:t>ஆ) 5 மைக்ரோமீட்டர் அல்லது அதற்கு மேற்பட்ட அளவிலான துகள் பொருட்களை</a:t>
+            </a:r>
           </a:p>
         </p:txBody>
       </p:sp>
@@ -21590,6 +21760,9 @@
                 <a:latin typeface="Calibri"/>
               </a:defRPr>
             </a:pPr>
+            <a:r>
+              <a:t>ஈ) மகப்பேறின்போது ஆக்ஸிடோசின் சுரத்தல்.</a:t>
+            </a:r>
           </a:p>
         </p:txBody>
       </p:sp>
@@ -21885,6 +22058,9 @@
                 <a:latin typeface="Calibri"/>
               </a:defRPr>
             </a:pPr>
+            <a:r>
+              <a:t>அ) பூச்சிக்கொல்லி மருந்துகளால் ஏற்படும் மாசுபாடு</a:t>
+            </a:r>
           </a:p>
         </p:txBody>
       </p:sp>
@@ -22180,6 +22356,9 @@
                 <a:latin typeface="Calibri"/>
               </a:defRPr>
             </a:pPr>
+            <a:r>
+              <a:t>ஈ) அதிகரிக்கப்பட்ட கல்லீரல் புற்றுநோய்.</a:t>
+            </a:r>
           </a:p>
         </p:txBody>
       </p:sp>
@@ -22475,6 +22654,9 @@
                 <a:latin typeface="Calibri"/>
               </a:defRPr>
             </a:pPr>
+            <a:r>
+              <a:t>ஈ) உயிர் வழிப் பெருக்கம்</a:t>
+            </a:r>
           </a:p>
         </p:txBody>
       </p:sp>
@@ -22770,6 +22952,9 @@
                 <a:latin typeface="Calibri"/>
               </a:defRPr>
             </a:pPr>
+            <a:r>
+              <a:t>ஈ) ஆக்ஸிஜன் அற்றுப் போவதால் மீன்கள் இறத்தல்</a:t>
+            </a:r>
           </a:p>
         </p:txBody>
       </p:sp>
@@ -23065,6 +23250,9 @@
                 <a:latin typeface="Calibri"/>
               </a:defRPr>
             </a:pPr>
+            <a:r>
+              <a:t>இ) ஆக்ஸிஜன் அற்றுப்போவதால் மீன்களின் இறப்பு வீதம் அதிகரித்தல்.</a:t>
+            </a:r>
           </a:p>
         </p:txBody>
       </p:sp>
@@ -23360,6 +23548,9 @@
                 <a:latin typeface="Calibri"/>
               </a:defRPr>
             </a:pPr>
+            <a:r>
+              <a:t>ஈ) உள்ளுடல் வெப்பநிலையை விடக் குறைவான வெப்பநிலையில் விதைப்பையைப் பராமரிக்க.</a:t>
+            </a:r>
           </a:p>
         </p:txBody>
       </p:sp>
@@ -23655,6 +23846,9 @@
                 <a:latin typeface="Calibri"/>
               </a:defRPr>
             </a:pPr>
+            <a:r>
+              <a:t>அ) hCG, hPL, புரோஜெடிரான், ஈஸ்ட்ரோஜன்</a:t>
+            </a:r>
           </a:p>
         </p:txBody>
       </p:sp>
@@ -24245,6 +24439,9 @@
                 <a:latin typeface="Calibri"/>
               </a:defRPr>
             </a:pPr>
+            <a:r>
+              <a:t>அ) Multiload 375</a:t>
+            </a:r>
           </a:p>
         </p:txBody>
       </p:sp>
@@ -24386,6 +24583,9 @@
                 <a:latin typeface="Calibri"/>
               </a:defRPr>
             </a:pPr>
+            <a:r>
+              <a:t>அ) வயதான உயிரிகள் இறக்கின்றன. ஆனால் இனப்பெ ருக்கத்தின் மூலம் புதிய உயிரிகள் உற்பத்தியாகின்றன.</a:t>
+            </a:r>
           </a:p>
         </p:txBody>
       </p:sp>
@@ -24681,6 +24881,9 @@
                 <a:latin typeface="Calibri"/>
               </a:defRPr>
             </a:pPr>
+            <a:r>
+              <a:t>அ) அண்டசெல்லை ஃபெல்லோப்பியன் குழாய்க்கு மாற்றுதல்.</a:t>
+            </a:r>
           </a:p>
         </p:txBody>
       </p:sp>
@@ -24976,6 +25179,9 @@
                 <a:latin typeface="Calibri"/>
               </a:defRPr>
             </a:pPr>
+            <a:r>
+              <a:t>அ) 14 முதல் 16 வார கர்ப்பத்தை சுமந்து கொண்டிருக்கும் பெண்களில் இது செய்யப்படுகிறது</a:t>
+            </a:r>
           </a:p>
         </p:txBody>
       </p:sp>
@@ -25566,6 +25772,9 @@
                 <a:latin typeface="Calibri"/>
               </a:defRPr>
             </a:pPr>
+            <a:r>
+              <a:t>ஈ) இது தன் வாழ்க்கை சுழற்சியை இரு வாரங்களில் நிறைவு செய்கிறது.</a:t>
+            </a:r>
           </a:p>
         </p:txBody>
       </p:sp>
@@ -25861,6 +26070,9 @@
                 <a:latin typeface="Calibri"/>
               </a:defRPr>
             </a:pPr>
+            <a:r>
+              <a:t>இ) அல்லீல்களுக்கிடையே கலத்தல் ஏதும் நடைபெறுவதில்லை . இரண்டின் பண்புகளும் இரண்டாம் சந்ததியில் மீட்கப்படுகின்றன.</a:t>
+            </a:r>
           </a:p>
         </p:txBody>
       </p:sp>
@@ -26310,6 +26522,9 @@
                 <a:latin typeface="Calibri"/>
               </a:defRPr>
             </a:pPr>
+            <a:r>
+              <a:t>இ) நான்கு</a:t>
+            </a:r>
           </a:p>
         </p:txBody>
       </p:sp>
@@ -26605,6 +26820,9 @@
                 <a:latin typeface="Calibri"/>
               </a:defRPr>
             </a:pPr>
+            <a:r>
+              <a:t>அ) □ = ○சொந்தத்திற்குள் நடைபெறும் கலவி</a:t>
+            </a:r>
           </a:p>
         </p:txBody>
       </p:sp>
@@ -26900,6 +27118,9 @@
                 <a:latin typeface="Calibri"/>
               </a:defRPr>
             </a:pPr>
+            <a:r>
+              <a:t>அ) XO வகையான பால் குரோமோசோம்கள் வெட்டுக்கிளியில் ஆண் தன்மையை நிர்ணயிக்கின்றன.</a:t>
+            </a:r>
           </a:p>
         </p:txBody>
       </p:sp>
@@ -27195,6 +27416,9 @@
                 <a:latin typeface="Calibri"/>
               </a:defRPr>
             </a:pPr>
+            <a:r>
+              <a:t>அ) 1</a:t>
+            </a:r>
           </a:p>
         </p:txBody>
       </p:sp>
@@ -27490,6 +27714,9 @@
                 <a:latin typeface="Calibri"/>
               </a:defRPr>
             </a:pPr>
+            <a:r>
+              <a:t>அ) மரபணுக்கள் வேறுபட்ட குரோமோசோம்களில் அமைந்திருக்கலாம்.</a:t>
+            </a:r>
           </a:p>
         </p:txBody>
       </p:sp>
@@ -27631,6 +27858,9 @@
                 <a:latin typeface="Calibri"/>
               </a:defRPr>
             </a:pPr>
+            <a:r>
+              <a:t>அ) i மற்றும் ii</a:t>
+            </a:r>
           </a:p>
         </p:txBody>
       </p:sp>
@@ -27926,6 +28156,9 @@
                 <a:latin typeface="Calibri"/>
               </a:defRPr>
             </a:pPr>
+            <a:r>
+              <a:t>இ) ஒரு உயிரியில் பல பண்புகளைக் கட்டுப்படுத்துகிறது.</a:t>
+            </a:r>
           </a:p>
         </p:txBody>
       </p:sp>
@@ -28221,6 +28454,9 @@
                 <a:latin typeface="Calibri"/>
               </a:defRPr>
             </a:pPr>
+            <a:r>
+              <a:t>இ) கலப்புயிரியில் இரு அல்லீல்களும் தனித்தனியாக வெளிப்படுத்தப்படுகின்றன.</a:t>
+            </a:r>
           </a:p>
         </p:txBody>
       </p:sp>
@@ -28516,6 +28752,9 @@
                 <a:latin typeface="Calibri"/>
               </a:defRPr>
             </a:pPr>
+            <a:r>
+              <a:t>ஈ) அ, ஆ மற்றும் இ சரியானவை</a:t>
+            </a:r>
           </a:p>
         </p:txBody>
       </p:sp>
@@ -28811,6 +29050,9 @@
                 <a:latin typeface="Calibri"/>
               </a:defRPr>
             </a:pPr>
+            <a:r>
+              <a:t>இ) டி.என்.ஏ. குரோமாட்டின் இழைகளாகச் சுருங்குவதை</a:t>
+            </a:r>
           </a:p>
         </p:txBody>
       </p:sp>
@@ -29106,6 +29348,9 @@
                 <a:latin typeface="Calibri"/>
               </a:defRPr>
             </a:pPr>
+            <a:r>
+              <a:t>அ) துத்தநாக – விரல் ஆய்வு</a:t>
+            </a:r>
           </a:p>
         </p:txBody>
       </p:sp>
@@ -29555,6 +29800,9 @@
                 <a:latin typeface="Calibri"/>
               </a:defRPr>
             </a:pPr>
+            <a:r>
+              <a:t>ஆ) அதிக அளவிலான பல்லுருத் தன்மையை உயிரினத் தொகையிலும், அதே அளவு பல்லுருத் தன்மையை பெற்றோரிடமிருந்து குழந்தைகளுக்குக் கடத்தப்படும் வகையில் தனியொருவரிலும் கொண்டிருக்கிறது.</a:t>
+            </a:r>
           </a:p>
         </p:txBody>
       </p:sp>
@@ -30145,6 +30393,9 @@
                 <a:latin typeface="Calibri"/>
               </a:defRPr>
             </a:pPr>
+            <a:r>
+              <a:t>அ) i மற்றும் ii</a:t>
+            </a:r>
           </a:p>
         </p:txBody>
       </p:sp>
@@ -30440,6 +30691,9 @@
                 <a:latin typeface="Calibri"/>
               </a:defRPr>
             </a:pPr>
+            <a:r>
+              <a:t>ஆ) UAG, UGA – நிறுத்துக் குறியீடு</a:t>
+            </a:r>
           </a:p>
         </p:txBody>
       </p:sp>
@@ -30735,6 +30989,9 @@
                 <a:latin typeface="Calibri"/>
               </a:defRPr>
             </a:pPr>
+            <a:r>
+              <a:t>அ) படியெடுத்தலுக்குக் காரணமாகிறது.</a:t>
+            </a:r>
           </a:p>
         </p:txBody>
       </p:sp>
@@ -30876,6 +31133,9 @@
                 <a:latin typeface="Calibri"/>
               </a:defRPr>
             </a:pPr>
+            <a:r>
+              <a:t>அ) i மற்றும் iii</a:t>
+            </a:r>
           </a:p>
         </p:txBody>
       </p:sp>
@@ -31171,6 +31431,9 @@
                 <a:latin typeface="Calibri"/>
               </a:defRPr>
             </a:pPr>
+            <a:r>
+              <a:t>அ) ஃபார்மைல் மெட் tRNAவுடன் 3OS துணை அலகு மற்றும் mRNA இணைதல்</a:t>
+            </a:r>
           </a:p>
         </p:txBody>
       </p:sp>
@@ -31466,6 +31729,9 @@
                 <a:latin typeface="Calibri"/>
               </a:defRPr>
             </a:pPr>
+            <a:r>
+              <a:t>ஈ) RNA சார்ந்த DNA பாலிமரேஸ்</a:t>
+            </a:r>
           </a:p>
         </p:txBody>
       </p:sp>
@@ -31761,6 +32027,9 @@
                 <a:latin typeface="Calibri"/>
               </a:defRPr>
             </a:pPr>
+            <a:r>
+              <a:t>ஆ) வேறுபட்ட அடர்த்தி ஆனால் பெற்றோர் டி.என்.ஏ.வை ஒத்துக் காணப்படும்.</a:t>
+            </a:r>
           </a:p>
         </p:txBody>
       </p:sp>
@@ -32056,6 +32325,9 @@
                 <a:latin typeface="Calibri"/>
               </a:defRPr>
             </a:pPr>
+            <a:r>
+              <a:t>இ) செயலொத்த உறுப்புகள் மற்றும் குவிப்பரிமாணத்தைக் குறிக்கின்றன.</a:t>
+            </a:r>
           </a:p>
         </p:txBody>
       </p:sp>
@@ -32351,6 +32623,9 @@
                 <a:latin typeface="Calibri"/>
               </a:defRPr>
             </a:pPr>
+            <a:r>
+              <a:t>ஈ) தனி உயிரியின் கருவளர்ச்சி நிலைகள் அதன் இன வரலாற்றைக் குறிக்கின்றன.</a:t>
+            </a:r>
           </a:p>
         </p:txBody>
       </p:sp>
@@ -32800,6 +33075,9 @@
                 <a:latin typeface="Calibri"/>
               </a:defRPr>
             </a:pPr>
+            <a:r>
+              <a:t>அ) P2</a:t>
+            </a:r>
           </a:p>
         </p:txBody>
       </p:sp>
@@ -33095,6 +33373,9 @@
                 <a:latin typeface="Calibri"/>
               </a:defRPr>
             </a:pPr>
+            <a:r>
+              <a:t>இ) பேலியோசோயிக மீசோசோயிக் சீனோசோயிக்</a:t>
+            </a:r>
           </a:p>
         </p:txBody>
       </p:sp>
@@ -33390,6 +33671,9 @@
                 <a:latin typeface="Calibri"/>
               </a:defRPr>
             </a:pPr>
+            <a:r>
+              <a:t>ஈ) மூளையில் அளவில் ஏற்பட்ட குறிப்பிடத்தகுந்த அதிகரிப்பு</a:t>
+            </a:r>
           </a:p>
         </p:txBody>
       </p:sp>
@@ -33685,6 +33969,9 @@
                 <a:latin typeface="Calibri"/>
               </a:defRPr>
             </a:pPr>
+            <a:r>
+              <a:t>ஆ) குவிப் பரிணாமம்</a:t>
+            </a:r>
           </a:p>
         </p:txBody>
       </p:sp>
@@ -33980,6 +34267,9 @@
                 <a:latin typeface="Calibri"/>
               </a:defRPr>
             </a:pPr>
+            <a:r>
+              <a:t>ஆ) அறுவை சிகிச்சை செய்யப்பட்ட நோயாளிகளுக்கு வலி நிவாரணியாக, அடிக்கடி மார்ஃபைன் அளிக்கப்படுகிறது.</a:t>
+            </a:r>
           </a:p>
         </p:txBody>
       </p:sp>
@@ -34121,6 +34411,9 @@
                 <a:latin typeface="Calibri"/>
               </a:defRPr>
             </a:pPr>
+            <a:r>
+              <a:t>அ) iii மற்றும் iv</a:t>
+            </a:r>
           </a:p>
         </p:txBody>
       </p:sp>
@@ -34711,6 +35004,9 @@
                 <a:latin typeface="Calibri"/>
               </a:defRPr>
             </a:pPr>
+            <a:r>
+              <a:t>ஆ) மணல்வாரி</a:t>
+            </a:r>
           </a:p>
         </p:txBody>
       </p:sp>
@@ -35006,6 +35302,9 @@
                 <a:latin typeface="Calibri"/>
               </a:defRPr>
             </a:pPr>
+            <a:r>
+              <a:t>இ) ஒட்டுண்ணி தனது இரத்த சிவப்பு செல்களுக்குள் விரைவான பெருக்கமடைந்து அச்செல்களை உடைத்துக் கொண்டு, வெளிப்பட்டு புதிய இரத்த சிவப்பணுக்களுக்குள் நுழையும் நிலையில்.</a:t>
+            </a:r>
           </a:p>
         </p:txBody>
       </p:sp>
@@ -35301,6 +35600,9 @@
                 <a:latin typeface="Calibri"/>
               </a:defRPr>
             </a:pPr>
+            <a:r>
+              <a:t>ஈ) தொற்று கொண்ட பெண் அனாஃபலஸ் கொசுவின் உமிழ்நீரில்.</a:t>
+            </a:r>
           </a:p>
         </p:txBody>
       </p:sp>
@@ -35596,6 +35898,9 @@
                 <a:latin typeface="Calibri"/>
               </a:defRPr>
             </a:pPr>
+            <a:r>
+              <a:t>அ) பிளாஸ்மோடியம் ஃபால்சிபாரம் - தீவிர மலேரியாக் காய்ச்சலை ஏற்படுத்தும் ஒரு செல் உயிரி</a:t>
+            </a:r>
           </a:p>
         </p:txBody>
       </p:sp>
